--- a/poster_templates/poster_hbi.pptx
+++ b/poster_templates/poster_hbi.pptx
@@ -272,7 +272,7 @@
       </p15:sldGuideLst>
     </p:ext>
     <p:ext uri="http://customooxmlschemas.google.com/">
-      <go:slidesCustomData xmlns:go="http://customooxmlschemas.google.com/" xmlns:ahyp="http://schemas.microsoft.com/office/drawing/2018/hyperlinkcolor" xmlns:p15="http://schemas.microsoft.com/office/powerpoint/2012/main" xmlns:p14="http://schemas.microsoft.com/office/powerpoint/2010/main" xmlns:com="http://schemas.openxmlformats.org/drawingml/2006/compatibility" xmlns:pvml="urn:schemas-microsoft-com:office:powerpoint" xmlns:v="urn:schemas-microsoft-com:vml" xmlns:o="urn:schemas-microsoft-com:office:office" xmlns:dgm="http://schemas.openxmlformats.org/drawingml/2006/diagram" xmlns:c="http://schemas.openxmlformats.org/drawingml/2006/chart" xmlns:mv="urn:schemas-microsoft-com:mac:vml" xmlns:mc="http://schemas.openxmlformats.org/markup-compatibility/2006" xmlns="" r:id="rId11" roundtripDataSignature="AMtx7mi4SDGLVMxjfdlsIs57n0UH+Fp5qA=="/>
+      <go:slidesCustomData xmlns="" xmlns:mc="http://schemas.openxmlformats.org/markup-compatibility/2006" xmlns:mv="urn:schemas-microsoft-com:mac:vml" xmlns:c="http://schemas.openxmlformats.org/drawingml/2006/chart" xmlns:dgm="http://schemas.openxmlformats.org/drawingml/2006/diagram" xmlns:o="urn:schemas-microsoft-com:office:office" xmlns:v="urn:schemas-microsoft-com:vml" xmlns:pvml="urn:schemas-microsoft-com:office:powerpoint" xmlns:com="http://schemas.openxmlformats.org/drawingml/2006/compatibility" xmlns:p14="http://schemas.microsoft.com/office/powerpoint/2010/main" xmlns:p15="http://schemas.microsoft.com/office/powerpoint/2012/main" xmlns:ahyp="http://schemas.microsoft.com/office/drawing/2018/hyperlinkcolor" xmlns:go="http://customooxmlschemas.google.com/" r:id="rId11" roundtripDataSignature="AMtx7mi4SDGLVMxjfdlsIs57n0UH+Fp5qA=="/>
     </p:ext>
   </p:extLst>
 </p:presentation>
@@ -11213,10 +11213,10 @@
                 <a:latin typeface="Source Sans Pro Light" panose="020B0403030403020204" pitchFamily="34" charset="0"/>
                 <a:ea typeface="Source Sans Pro Light" panose="020B0403030403020204" pitchFamily="34" charset="0"/>
               </a:rPr>
-              <a:t>), and the LASIGE Research Unit, ref. UIDB/00408/2020 (</a:t>
+              <a:t>), and the LASIGE Research Unit, ref. </a:t>
             </a:r>
             <a:r>
-              <a:rPr lang="en-US" sz="1000" i="1" dirty="0">
+              <a:rPr lang="en-US" sz="1000">
                 <a:solidFill>
                   <a:srgbClr val="3D3C40"/>
                 </a:solidFill>
@@ -11226,48 +11226,9 @@
                 <a:latin typeface="Source Sans Pro Light" panose="020B0403030403020204" pitchFamily="34" charset="0"/>
                 <a:ea typeface="Source Sans Pro Light" panose="020B0403030403020204" pitchFamily="34" charset="0"/>
               </a:rPr>
-              <a:t>https://doi.org/10.54499/UIDB/00408/2020</a:t>
+              <a:t>UID/00408/2025.</a:t>
             </a:r>
-            <a:r>
-              <a:rPr lang="en-US" sz="1000" dirty="0">
-                <a:solidFill>
-                  <a:srgbClr val="3D3C40"/>
-                </a:solidFill>
-                <a:highlight>
-                  <a:srgbClr val="FFFFFF"/>
-                </a:highlight>
-                <a:latin typeface="Source Sans Pro Light" panose="020B0403030403020204" pitchFamily="34" charset="0"/>
-                <a:ea typeface="Source Sans Pro Light" panose="020B0403030403020204" pitchFamily="34" charset="0"/>
-              </a:rPr>
-              <a:t>) and ref. UIDP/00408/2020 (</a:t>
-            </a:r>
-            <a:r>
-              <a:rPr lang="en-US" sz="1000" i="1" dirty="0">
-                <a:solidFill>
-                  <a:srgbClr val="3D3C40"/>
-                </a:solidFill>
-                <a:highlight>
-                  <a:srgbClr val="FFFFFF"/>
-                </a:highlight>
-                <a:latin typeface="Source Sans Pro Light" panose="020B0403030403020204" pitchFamily="34" charset="0"/>
-                <a:ea typeface="Source Sans Pro Light" panose="020B0403030403020204" pitchFamily="34" charset="0"/>
-              </a:rPr>
-              <a:t>https://doi.org/10.54499/UIDP/00408/2020</a:t>
-            </a:r>
-            <a:r>
-              <a:rPr lang="en-US" sz="1000" dirty="0">
-                <a:solidFill>
-                  <a:srgbClr val="3D3C40"/>
-                </a:solidFill>
-                <a:highlight>
-                  <a:srgbClr val="FFFFFF"/>
-                </a:highlight>
-                <a:latin typeface="Source Sans Pro Light" panose="020B0403030403020204" pitchFamily="34" charset="0"/>
-                <a:ea typeface="Source Sans Pro Light" panose="020B0403030403020204" pitchFamily="34" charset="0"/>
-              </a:rPr>
-              <a:t>).</a:t>
-            </a:r>
-            <a:endParaRPr lang="en-US" dirty="0">
+            <a:endParaRPr lang="en-US" sz="1000" dirty="0">
               <a:latin typeface="Source Sans Pro Light" panose="020B0403030403020204" pitchFamily="34" charset="0"/>
               <a:ea typeface="Source Sans Pro Light" panose="020B0403030403020204" pitchFamily="34" charset="0"/>
             </a:endParaRPr>
